--- a/Liran Ben Zion- Predicting House Sales in King County, USA. Spark Beyond.pptx
+++ b/Liran Ben Zion- Predicting House Sales in King County, USA. Spark Beyond.pptx
@@ -5363,7 +5363,7 @@
         <p:spPr>
           <a:xfrm>
             <a:off x="112343" y="20081"/>
-            <a:ext cx="12079657" cy="931364"/>
+            <a:ext cx="12079657" cy="819504"/>
           </a:xfrm>
         </p:spPr>
         <p:txBody>
@@ -5373,7 +5373,7 @@
           <a:lstStyle/>
           <a:p>
             <a:r>
-              <a:rPr lang="en-US" u="sng" dirty="0" smtClean="0">
+              <a:rPr lang="en-US" sz="4000" u="sng" dirty="0" smtClean="0">
                 <a:solidFill>
                   <a:schemeClr val="accent5">
                     <a:lumMod val="75000"/>
@@ -5382,7 +5382,7 @@
               </a:rPr>
               <a:t>Evaluating and summary</a:t>
             </a:r>
-            <a:endParaRPr lang="en-US" u="sng" dirty="0">
+            <a:endParaRPr lang="en-US" sz="4000" u="sng" dirty="0">
               <a:solidFill>
                 <a:schemeClr val="accent5">
                   <a:lumMod val="75000"/>
@@ -5404,8 +5404,8 @@
         </p:nvSpPr>
         <p:spPr>
           <a:xfrm>
-            <a:off x="199711" y="1026102"/>
-            <a:ext cx="11763689" cy="5565198"/>
+            <a:off x="199711" y="839585"/>
+            <a:ext cx="11763689" cy="5902037"/>
           </a:xfrm>
         </p:spPr>
         <p:txBody>
@@ -5422,15 +5422,15 @@
               <a:buAutoNum type="arabicPeriod"/>
             </a:pPr>
             <a:r>
-              <a:rPr lang="en-US" sz="2400" dirty="0"/>
+              <a:rPr lang="en-US" sz="2300" dirty="0"/>
               <a:t>Using the software streamlines the workflow, shortens the processing time and allows for more accurate and better forecasting, compared to doing a similar process by </a:t>
             </a:r>
             <a:r>
-              <a:rPr lang="en-US" sz="2400" dirty="0" smtClean="0"/>
+              <a:rPr lang="en-US" sz="2300" dirty="0" smtClean="0"/>
               <a:t>programming</a:t>
             </a:r>
             <a:r>
-              <a:rPr lang="he-IL" sz="2400" dirty="0" smtClean="0"/>
+              <a:rPr lang="he-IL" sz="2300" dirty="0" smtClean="0"/>
               <a:t>.</a:t>
             </a:r>
           </a:p>
@@ -5443,18 +5443,18 @@
               <a:buAutoNum type="arabicPeriod"/>
             </a:pPr>
             <a:r>
-              <a:rPr lang="en-US" sz="2400" dirty="0" smtClean="0"/>
+              <a:rPr lang="en-US" sz="2300" dirty="0" smtClean="0"/>
               <a:t>Using </a:t>
             </a:r>
             <a:r>
-              <a:rPr lang="en-US" sz="2400" dirty="0"/>
+              <a:rPr lang="en-US" sz="2300" dirty="0"/>
               <a:t>the software allows you to draw conclusions quickly, using existing visualizations</a:t>
             </a:r>
             <a:r>
-              <a:rPr lang="en-US" sz="2400" dirty="0" smtClean="0"/>
+              <a:rPr lang="en-US" sz="2300" dirty="0" smtClean="0"/>
               <a:t>.</a:t>
             </a:r>
-            <a:endParaRPr lang="he-IL" sz="2400" dirty="0" smtClean="0"/>
+            <a:endParaRPr lang="he-IL" sz="2300" dirty="0" smtClean="0"/>
           </a:p>
           <a:p>
             <a:pPr marL="514350" indent="-514350" algn="just">
@@ -5465,42 +5465,70 @@
               <a:buAutoNum type="arabicPeriod"/>
             </a:pPr>
             <a:r>
-              <a:rPr lang="en-US" sz="2400" dirty="0"/>
+              <a:rPr lang="en-US" sz="2300" dirty="0"/>
               <a:t>The prediction results show that using the RF model is better than using the model I </a:t>
             </a:r>
             <a:r>
-              <a:rPr lang="en-US" sz="2400" dirty="0" smtClean="0"/>
+              <a:rPr lang="en-US" sz="2300" dirty="0" smtClean="0"/>
               <a:t>chose (</a:t>
             </a:r>
             <a:r>
-              <a:rPr lang="en-US" sz="2400" dirty="0" err="1" smtClean="0"/>
+              <a:rPr lang="en-US" sz="2300" dirty="0" err="1" smtClean="0"/>
               <a:t>XGBoostlinear</a:t>
             </a:r>
             <a:r>
-              <a:rPr lang="en-US" sz="2400" dirty="0" smtClean="0"/>
+              <a:rPr lang="en-US" sz="2300" dirty="0" smtClean="0"/>
               <a:t>). </a:t>
             </a:r>
             <a:r>
-              <a:rPr lang="en-US" sz="2400" dirty="0"/>
+              <a:rPr lang="en-US" sz="2300" dirty="0"/>
               <a:t>This can be explained by the fact that I relied on a relatively small initial </a:t>
             </a:r>
             <a:r>
-              <a:rPr lang="en-US" sz="2400" dirty="0" smtClean="0"/>
+              <a:rPr lang="en-US" sz="2300" dirty="0" smtClean="0"/>
               <a:t>sample (300 records) </a:t>
             </a:r>
             <a:r>
-              <a:rPr lang="en-US" sz="2400" dirty="0"/>
+              <a:rPr lang="en-US" sz="2300" dirty="0"/>
               <a:t>whereas the software used all existing </a:t>
             </a:r>
             <a:r>
-              <a:rPr lang="en-US" sz="2400" dirty="0" smtClean="0"/>
+              <a:rPr lang="en-US" sz="2300" dirty="0" smtClean="0"/>
               <a:t>data</a:t>
             </a:r>
             <a:r>
-              <a:rPr lang="he-IL" sz="2400" dirty="0" smtClean="0"/>
+              <a:rPr lang="he-IL" sz="2300" dirty="0" smtClean="0"/>
               <a:t>.</a:t>
             </a:r>
-            <a:endParaRPr lang="en-US" sz="2400" dirty="0"/>
+            <a:endParaRPr lang="en-US" sz="2300" dirty="0" smtClean="0"/>
+          </a:p>
+          <a:p>
+            <a:pPr marL="514350" indent="-514350" algn="just">
+              <a:lnSpc>
+                <a:spcPct val="150000"/>
+              </a:lnSpc>
+              <a:buFont typeface="+mj-lt"/>
+              <a:buAutoNum type="arabicPeriod"/>
+            </a:pPr>
+            <a:r>
+              <a:rPr lang="en-US" sz="2300" dirty="0"/>
+              <a:t>The variables selected by the forecasting models were quite similar, indicating that these variables had the greatest effect on the </a:t>
+            </a:r>
+            <a:r>
+              <a:rPr lang="en-US" sz="2300" dirty="0" smtClean="0"/>
+              <a:t>house price.</a:t>
+            </a:r>
+            <a:endParaRPr lang="en-US" sz="2300" dirty="0" smtClean="0"/>
+          </a:p>
+          <a:p>
+            <a:pPr marL="514350" indent="-514350" algn="just">
+              <a:lnSpc>
+                <a:spcPct val="150000"/>
+              </a:lnSpc>
+              <a:buFont typeface="+mj-lt"/>
+              <a:buAutoNum type="arabicPeriod"/>
+            </a:pPr>
+            <a:endParaRPr lang="en-US" sz="2300" dirty="0"/>
           </a:p>
         </p:txBody>
       </p:sp>
